--- a/STM_HASPI.pptx
+++ b/STM_HASPI.pptx
@@ -293,7 +293,7 @@
           <a:p>
             <a:fld id="{25575FD6-E6E5-40A3-83E5-3334562080E3}" type="datetimeFigureOut">
               <a:rPr lang="en-US" smtClean="0"/>
-              <a:t>11/2/2018</a:t>
+              <a:t>12/18/2018</a:t>
             </a:fld>
             <a:endParaRPr lang="en-US"/>
           </a:p>
@@ -463,7 +463,7 @@
           <a:p>
             <a:fld id="{25575FD6-E6E5-40A3-83E5-3334562080E3}" type="datetimeFigureOut">
               <a:rPr lang="en-US" smtClean="0"/>
-              <a:t>11/2/2018</a:t>
+              <a:t>12/18/2018</a:t>
             </a:fld>
             <a:endParaRPr lang="en-US"/>
           </a:p>
@@ -643,7 +643,7 @@
           <a:p>
             <a:fld id="{25575FD6-E6E5-40A3-83E5-3334562080E3}" type="datetimeFigureOut">
               <a:rPr lang="en-US" smtClean="0"/>
-              <a:t>11/2/2018</a:t>
+              <a:t>12/18/2018</a:t>
             </a:fld>
             <a:endParaRPr lang="en-US"/>
           </a:p>
@@ -813,7 +813,7 @@
           <a:p>
             <a:fld id="{25575FD6-E6E5-40A3-83E5-3334562080E3}" type="datetimeFigureOut">
               <a:rPr lang="en-US" smtClean="0"/>
-              <a:t>11/2/2018</a:t>
+              <a:t>12/18/2018</a:t>
             </a:fld>
             <a:endParaRPr lang="en-US"/>
           </a:p>
@@ -1059,7 +1059,7 @@
           <a:p>
             <a:fld id="{25575FD6-E6E5-40A3-83E5-3334562080E3}" type="datetimeFigureOut">
               <a:rPr lang="en-US" smtClean="0"/>
-              <a:t>11/2/2018</a:t>
+              <a:t>12/18/2018</a:t>
             </a:fld>
             <a:endParaRPr lang="en-US"/>
           </a:p>
@@ -1347,7 +1347,7 @@
           <a:p>
             <a:fld id="{25575FD6-E6E5-40A3-83E5-3334562080E3}" type="datetimeFigureOut">
               <a:rPr lang="en-US" smtClean="0"/>
-              <a:t>11/2/2018</a:t>
+              <a:t>12/18/2018</a:t>
             </a:fld>
             <a:endParaRPr lang="en-US"/>
           </a:p>
@@ -1769,7 +1769,7 @@
           <a:p>
             <a:fld id="{25575FD6-E6E5-40A3-83E5-3334562080E3}" type="datetimeFigureOut">
               <a:rPr lang="en-US" smtClean="0"/>
-              <a:t>11/2/2018</a:t>
+              <a:t>12/18/2018</a:t>
             </a:fld>
             <a:endParaRPr lang="en-US"/>
           </a:p>
@@ -1887,7 +1887,7 @@
           <a:p>
             <a:fld id="{25575FD6-E6E5-40A3-83E5-3334562080E3}" type="datetimeFigureOut">
               <a:rPr lang="en-US" smtClean="0"/>
-              <a:t>11/2/2018</a:t>
+              <a:t>12/18/2018</a:t>
             </a:fld>
             <a:endParaRPr lang="en-US"/>
           </a:p>
@@ -1982,7 +1982,7 @@
           <a:p>
             <a:fld id="{25575FD6-E6E5-40A3-83E5-3334562080E3}" type="datetimeFigureOut">
               <a:rPr lang="en-US" smtClean="0"/>
-              <a:t>11/2/2018</a:t>
+              <a:t>12/18/2018</a:t>
             </a:fld>
             <a:endParaRPr lang="en-US"/>
           </a:p>
@@ -2259,7 +2259,7 @@
           <a:p>
             <a:fld id="{25575FD6-E6E5-40A3-83E5-3334562080E3}" type="datetimeFigureOut">
               <a:rPr lang="en-US" smtClean="0"/>
-              <a:t>11/2/2018</a:t>
+              <a:t>12/18/2018</a:t>
             </a:fld>
             <a:endParaRPr lang="en-US"/>
           </a:p>
@@ -2512,7 +2512,7 @@
           <a:p>
             <a:fld id="{25575FD6-E6E5-40A3-83E5-3334562080E3}" type="datetimeFigureOut">
               <a:rPr lang="en-US" smtClean="0"/>
-              <a:t>11/2/2018</a:t>
+              <a:t>12/18/2018</a:t>
             </a:fld>
             <a:endParaRPr lang="en-US"/>
           </a:p>
@@ -2725,7 +2725,7 @@
           <a:p>
             <a:fld id="{25575FD6-E6E5-40A3-83E5-3334562080E3}" type="datetimeFigureOut">
               <a:rPr lang="en-US" smtClean="0"/>
-              <a:t>11/2/2018</a:t>
+              <a:t>12/18/2018</a:t>
             </a:fld>
             <a:endParaRPr lang="en-US"/>
           </a:p>
@@ -3761,25 +3761,6 @@
           </a:p>
         </p:txBody>
       </p:sp>
-      <p:sp>
-        <p:nvSpPr>
-          <p:cNvPr id="2" name="Content Placeholder 1"/>
-          <p:cNvSpPr>
-            <a:spLocks noGrp="1"/>
-          </p:cNvSpPr>
-          <p:nvPr>
-            <p:ph idx="1"/>
-          </p:nvPr>
-        </p:nvSpPr>
-        <p:spPr/>
-        <p:txBody>
-          <a:bodyPr/>
-          <a:lstStyle/>
-          <a:p>
-            <a:endParaRPr lang="en-US"/>
-          </a:p>
-        </p:txBody>
-      </p:sp>
       <p:pic>
         <p:nvPicPr>
           <p:cNvPr id="1026" name="Picture 2"/>
@@ -3805,6 +3786,60 @@
           <a:xfrm>
             <a:off x="4876800" y="1371600"/>
             <a:ext cx="3462337" cy="2701824"/>
+          </a:xfrm>
+          <a:prstGeom prst="rect">
+            <a:avLst/>
+          </a:prstGeom>
+          <a:noFill/>
+          <a:ln>
+            <a:noFill/>
+          </a:ln>
+          <a:extLst>
+            <a:ext uri="{909E8E84-426E-40DD-AFC4-6F175D3DCCD1}">
+              <a14:hiddenFill xmlns:a14="http://schemas.microsoft.com/office/drawing/2010/main">
+                <a:solidFill>
+                  <a:schemeClr val="accent1"/>
+                </a:solidFill>
+              </a14:hiddenFill>
+            </a:ext>
+            <a:ext uri="{91240B29-F687-4F45-9708-019B960494DF}">
+              <a14:hiddenLine xmlns:a14="http://schemas.microsoft.com/office/drawing/2010/main" w="9525">
+                <a:solidFill>
+                  <a:schemeClr val="tx1"/>
+                </a:solidFill>
+                <a:miter lim="800000"/>
+                <a:headEnd/>
+                <a:tailEnd/>
+              </a14:hiddenLine>
+            </a:ext>
+          </a:extLst>
+        </p:spPr>
+      </p:pic>
+      <p:pic>
+        <p:nvPicPr>
+          <p:cNvPr id="3" name="Picture 2"/>
+          <p:cNvPicPr>
+            <a:picLocks noChangeAspect="1" noChangeArrowheads="1"/>
+          </p:cNvPicPr>
+          <p:nvPr/>
+        </p:nvPicPr>
+        <p:blipFill>
+          <a:blip r:embed="rId5">
+            <a:extLst>
+              <a:ext uri="{28A0092B-C50C-407E-A947-70E740481C1C}">
+                <a14:useLocalDpi xmlns:a14="http://schemas.microsoft.com/office/drawing/2010/main" val="0"/>
+              </a:ext>
+            </a:extLst>
+          </a:blip>
+          <a:srcRect/>
+          <a:stretch>
+            <a:fillRect/>
+          </a:stretch>
+        </p:blipFill>
+        <p:spPr bwMode="auto">
+          <a:xfrm>
+            <a:off x="4952999" y="4039305"/>
+            <a:ext cx="3386137" cy="2634389"/>
           </a:xfrm>
           <a:prstGeom prst="rect">
             <a:avLst/>
@@ -4032,6 +4067,60 @@
           <a:xfrm>
             <a:off x="4571999" y="1369528"/>
             <a:ext cx="3279253" cy="2558955"/>
+          </a:xfrm>
+          <a:prstGeom prst="rect">
+            <a:avLst/>
+          </a:prstGeom>
+          <a:noFill/>
+          <a:ln>
+            <a:noFill/>
+          </a:ln>
+          <a:extLst>
+            <a:ext uri="{909E8E84-426E-40DD-AFC4-6F175D3DCCD1}">
+              <a14:hiddenFill xmlns:a14="http://schemas.microsoft.com/office/drawing/2010/main">
+                <a:solidFill>
+                  <a:schemeClr val="accent1"/>
+                </a:solidFill>
+              </a14:hiddenFill>
+            </a:ext>
+            <a:ext uri="{91240B29-F687-4F45-9708-019B960494DF}">
+              <a14:hiddenLine xmlns:a14="http://schemas.microsoft.com/office/drawing/2010/main" w="9525">
+                <a:solidFill>
+                  <a:schemeClr val="tx1"/>
+                </a:solidFill>
+                <a:miter lim="800000"/>
+                <a:headEnd/>
+                <a:tailEnd/>
+              </a14:hiddenLine>
+            </a:ext>
+          </a:extLst>
+        </p:spPr>
+      </p:pic>
+      <p:pic>
+        <p:nvPicPr>
+          <p:cNvPr id="3" name="Picture 2"/>
+          <p:cNvPicPr>
+            <a:picLocks noChangeAspect="1" noChangeArrowheads="1"/>
+          </p:cNvPicPr>
+          <p:nvPr/>
+        </p:nvPicPr>
+        <p:blipFill>
+          <a:blip r:embed="rId5">
+            <a:extLst>
+              <a:ext uri="{28A0092B-C50C-407E-A947-70E740481C1C}">
+                <a14:useLocalDpi xmlns:a14="http://schemas.microsoft.com/office/drawing/2010/main" val="0"/>
+              </a:ext>
+            </a:extLst>
+          </a:blip>
+          <a:srcRect/>
+          <a:stretch>
+            <a:fillRect/>
+          </a:stretch>
+        </p:blipFill>
+        <p:spPr bwMode="auto">
+          <a:xfrm>
+            <a:off x="4574274" y="4042946"/>
+            <a:ext cx="3276978" cy="2549464"/>
           </a:xfrm>
           <a:prstGeom prst="rect">
             <a:avLst/>

--- a/STM_HASPI.pptx
+++ b/STM_HASPI.pptx
@@ -293,7 +293,7 @@
           <a:p>
             <a:fld id="{25575FD6-E6E5-40A3-83E5-3334562080E3}" type="datetimeFigureOut">
               <a:rPr lang="en-US" smtClean="0"/>
-              <a:t>12/18/2018</a:t>
+              <a:t>1/10/2019</a:t>
             </a:fld>
             <a:endParaRPr lang="en-US"/>
           </a:p>
@@ -463,7 +463,7 @@
           <a:p>
             <a:fld id="{25575FD6-E6E5-40A3-83E5-3334562080E3}" type="datetimeFigureOut">
               <a:rPr lang="en-US" smtClean="0"/>
-              <a:t>12/18/2018</a:t>
+              <a:t>1/10/2019</a:t>
             </a:fld>
             <a:endParaRPr lang="en-US"/>
           </a:p>
@@ -643,7 +643,7 @@
           <a:p>
             <a:fld id="{25575FD6-E6E5-40A3-83E5-3334562080E3}" type="datetimeFigureOut">
               <a:rPr lang="en-US" smtClean="0"/>
-              <a:t>12/18/2018</a:t>
+              <a:t>1/10/2019</a:t>
             </a:fld>
             <a:endParaRPr lang="en-US"/>
           </a:p>
@@ -813,7 +813,7 @@
           <a:p>
             <a:fld id="{25575FD6-E6E5-40A3-83E5-3334562080E3}" type="datetimeFigureOut">
               <a:rPr lang="en-US" smtClean="0"/>
-              <a:t>12/18/2018</a:t>
+              <a:t>1/10/2019</a:t>
             </a:fld>
             <a:endParaRPr lang="en-US"/>
           </a:p>
@@ -1059,7 +1059,7 @@
           <a:p>
             <a:fld id="{25575FD6-E6E5-40A3-83E5-3334562080E3}" type="datetimeFigureOut">
               <a:rPr lang="en-US" smtClean="0"/>
-              <a:t>12/18/2018</a:t>
+              <a:t>1/10/2019</a:t>
             </a:fld>
             <a:endParaRPr lang="en-US"/>
           </a:p>
@@ -1347,7 +1347,7 @@
           <a:p>
             <a:fld id="{25575FD6-E6E5-40A3-83E5-3334562080E3}" type="datetimeFigureOut">
               <a:rPr lang="en-US" smtClean="0"/>
-              <a:t>12/18/2018</a:t>
+              <a:t>1/10/2019</a:t>
             </a:fld>
             <a:endParaRPr lang="en-US"/>
           </a:p>
@@ -1769,7 +1769,7 @@
           <a:p>
             <a:fld id="{25575FD6-E6E5-40A3-83E5-3334562080E3}" type="datetimeFigureOut">
               <a:rPr lang="en-US" smtClean="0"/>
-              <a:t>12/18/2018</a:t>
+              <a:t>1/10/2019</a:t>
             </a:fld>
             <a:endParaRPr lang="en-US"/>
           </a:p>
@@ -1887,7 +1887,7 @@
           <a:p>
             <a:fld id="{25575FD6-E6E5-40A3-83E5-3334562080E3}" type="datetimeFigureOut">
               <a:rPr lang="en-US" smtClean="0"/>
-              <a:t>12/18/2018</a:t>
+              <a:t>1/10/2019</a:t>
             </a:fld>
             <a:endParaRPr lang="en-US"/>
           </a:p>
@@ -1982,7 +1982,7 @@
           <a:p>
             <a:fld id="{25575FD6-E6E5-40A3-83E5-3334562080E3}" type="datetimeFigureOut">
               <a:rPr lang="en-US" smtClean="0"/>
-              <a:t>12/18/2018</a:t>
+              <a:t>1/10/2019</a:t>
             </a:fld>
             <a:endParaRPr lang="en-US"/>
           </a:p>
@@ -2259,7 +2259,7 @@
           <a:p>
             <a:fld id="{25575FD6-E6E5-40A3-83E5-3334562080E3}" type="datetimeFigureOut">
               <a:rPr lang="en-US" smtClean="0"/>
-              <a:t>12/18/2018</a:t>
+              <a:t>1/10/2019</a:t>
             </a:fld>
             <a:endParaRPr lang="en-US"/>
           </a:p>
@@ -2512,7 +2512,7 @@
           <a:p>
             <a:fld id="{25575FD6-E6E5-40A3-83E5-3334562080E3}" type="datetimeFigureOut">
               <a:rPr lang="en-US" smtClean="0"/>
-              <a:t>12/18/2018</a:t>
+              <a:t>1/10/2019</a:t>
             </a:fld>
             <a:endParaRPr lang="en-US"/>
           </a:p>
@@ -2725,7 +2725,7 @@
           <a:p>
             <a:fld id="{25575FD6-E6E5-40A3-83E5-3334562080E3}" type="datetimeFigureOut">
               <a:rPr lang="en-US" smtClean="0"/>
-              <a:t>12/18/2018</a:t>
+              <a:t>1/10/2019</a:t>
             </a:fld>
             <a:endParaRPr lang="en-US"/>
           </a:p>
@@ -3784,8 +3784,8 @@
         </p:blipFill>
         <p:spPr bwMode="auto">
           <a:xfrm>
-            <a:off x="4876800" y="1371600"/>
-            <a:ext cx="3462337" cy="2701824"/>
+            <a:off x="4876801" y="1371600"/>
+            <a:ext cx="3200400" cy="2497422"/>
           </a:xfrm>
           <a:prstGeom prst="rect">
             <a:avLst/>
@@ -3817,7 +3817,7 @@
       </p:pic>
       <p:pic>
         <p:nvPicPr>
-          <p:cNvPr id="3" name="Picture 2"/>
+          <p:cNvPr id="2" name="Picture 2"/>
           <p:cNvPicPr>
             <a:picLocks noChangeAspect="1" noChangeArrowheads="1"/>
           </p:cNvPicPr>
@@ -3838,8 +3838,8 @@
         </p:blipFill>
         <p:spPr bwMode="auto">
           <a:xfrm>
-            <a:off x="4952999" y="4039305"/>
-            <a:ext cx="3386137" cy="2634389"/>
+            <a:off x="4876801" y="3961587"/>
+            <a:ext cx="3257550" cy="2534349"/>
           </a:xfrm>
           <a:prstGeom prst="rect">
             <a:avLst/>
@@ -4098,7 +4098,7 @@
       </p:pic>
       <p:pic>
         <p:nvPicPr>
-          <p:cNvPr id="3" name="Picture 2"/>
+          <p:cNvPr id="4" name="Picture 2"/>
           <p:cNvPicPr>
             <a:picLocks noChangeAspect="1" noChangeArrowheads="1"/>
           </p:cNvPicPr>
@@ -4119,8 +4119,8 @@
         </p:blipFill>
         <p:spPr bwMode="auto">
           <a:xfrm>
-            <a:off x="4574274" y="4042946"/>
-            <a:ext cx="3276978" cy="2549464"/>
+            <a:off x="4599295" y="4072516"/>
+            <a:ext cx="3251957" cy="2529998"/>
           </a:xfrm>
           <a:prstGeom prst="rect">
             <a:avLst/>
